--- a/06 Figures and tables/theoretical_framework.pptx
+++ b/06 Figures and tables/theoretical_framework.pptx
@@ -104,6 +104,11 @@
       </a:defRPr>
     </a:lvl9pPr>
   </p:defaultTextStyle>
+  <p:extLst>
+    <p:ext uri="{EFAFB233-063F-42B5-8137-9DF3F51BA10A}">
+      <p15:sldGuideLst xmlns:p15="http://schemas.microsoft.com/office/powerpoint/2012/main"/>
+    </p:ext>
+  </p:extLst>
 </p:presentation>
 </file>
 
@@ -120,18 +125,18 @@
   <pc:docChgLst>
     <pc:chgData name="Jacob Edenhofer" userId="367848ecace4055b" providerId="LiveId" clId="{C41D9540-8302-4CD3-8EA7-4A47B96516C3}"/>
     <pc:docChg chg="undo custSel modSld">
-      <pc:chgData name="Jacob Edenhofer" userId="367848ecace4055b" providerId="LiveId" clId="{C41D9540-8302-4CD3-8EA7-4A47B96516C3}" dt="2024-05-26T14:01:03.264" v="1230" actId="20577"/>
+      <pc:chgData name="Jacob Edenhofer" userId="367848ecace4055b" providerId="LiveId" clId="{C41D9540-8302-4CD3-8EA7-4A47B96516C3}" dt="2024-05-29T12:49:15.696" v="1235" actId="313"/>
       <pc:docMkLst>
         <pc:docMk/>
       </pc:docMkLst>
       <pc:sldChg chg="addSp delSp modSp mod">
-        <pc:chgData name="Jacob Edenhofer" userId="367848ecace4055b" providerId="LiveId" clId="{C41D9540-8302-4CD3-8EA7-4A47B96516C3}" dt="2024-05-26T14:01:03.264" v="1230" actId="20577"/>
+        <pc:chgData name="Jacob Edenhofer" userId="367848ecace4055b" providerId="LiveId" clId="{C41D9540-8302-4CD3-8EA7-4A47B96516C3}" dt="2024-05-29T12:49:15.696" v="1235" actId="313"/>
         <pc:sldMkLst>
           <pc:docMk/>
           <pc:sldMk cId="494732124" sldId="257"/>
         </pc:sldMkLst>
         <pc:spChg chg="mod">
-          <ac:chgData name="Jacob Edenhofer" userId="367848ecace4055b" providerId="LiveId" clId="{C41D9540-8302-4CD3-8EA7-4A47B96516C3}" dt="2024-05-26T12:54:55.728" v="493" actId="255"/>
+          <ac:chgData name="Jacob Edenhofer" userId="367848ecace4055b" providerId="LiveId" clId="{C41D9540-8302-4CD3-8EA7-4A47B96516C3}" dt="2024-05-29T10:33:19.724" v="1231" actId="255"/>
           <ac:spMkLst>
             <pc:docMk/>
             <pc:sldMk cId="494732124" sldId="257"/>
@@ -139,7 +144,7 @@
           </ac:spMkLst>
         </pc:spChg>
         <pc:spChg chg="mod">
-          <ac:chgData name="Jacob Edenhofer" userId="367848ecace4055b" providerId="LiveId" clId="{C41D9540-8302-4CD3-8EA7-4A47B96516C3}" dt="2024-05-26T12:54:55.728" v="493" actId="255"/>
+          <ac:chgData name="Jacob Edenhofer" userId="367848ecace4055b" providerId="LiveId" clId="{C41D9540-8302-4CD3-8EA7-4A47B96516C3}" dt="2024-05-29T10:33:19.724" v="1231" actId="255"/>
           <ac:spMkLst>
             <pc:docMk/>
             <pc:sldMk cId="494732124" sldId="257"/>
@@ -147,7 +152,7 @@
           </ac:spMkLst>
         </pc:spChg>
         <pc:spChg chg="mod">
-          <ac:chgData name="Jacob Edenhofer" userId="367848ecace4055b" providerId="LiveId" clId="{C41D9540-8302-4CD3-8EA7-4A47B96516C3}" dt="2024-05-26T12:54:55.728" v="493" actId="255"/>
+          <ac:chgData name="Jacob Edenhofer" userId="367848ecace4055b" providerId="LiveId" clId="{C41D9540-8302-4CD3-8EA7-4A47B96516C3}" dt="2024-05-29T10:33:19.724" v="1231" actId="255"/>
           <ac:spMkLst>
             <pc:docMk/>
             <pc:sldMk cId="494732124" sldId="257"/>
@@ -155,7 +160,7 @@
           </ac:spMkLst>
         </pc:spChg>
         <pc:spChg chg="mod">
-          <ac:chgData name="Jacob Edenhofer" userId="367848ecace4055b" providerId="LiveId" clId="{C41D9540-8302-4CD3-8EA7-4A47B96516C3}" dt="2024-05-26T12:54:55.728" v="493" actId="255"/>
+          <ac:chgData name="Jacob Edenhofer" userId="367848ecace4055b" providerId="LiveId" clId="{C41D9540-8302-4CD3-8EA7-4A47B96516C3}" dt="2024-05-29T10:33:19.724" v="1231" actId="255"/>
           <ac:spMkLst>
             <pc:docMk/>
             <pc:sldMk cId="494732124" sldId="257"/>
@@ -163,7 +168,7 @@
           </ac:spMkLst>
         </pc:spChg>
         <pc:spChg chg="mod">
-          <ac:chgData name="Jacob Edenhofer" userId="367848ecace4055b" providerId="LiveId" clId="{C41D9540-8302-4CD3-8EA7-4A47B96516C3}" dt="2024-05-26T14:01:03.264" v="1230" actId="20577"/>
+          <ac:chgData name="Jacob Edenhofer" userId="367848ecace4055b" providerId="LiveId" clId="{C41D9540-8302-4CD3-8EA7-4A47B96516C3}" dt="2024-05-29T10:33:19.724" v="1231" actId="255"/>
           <ac:spMkLst>
             <pc:docMk/>
             <pc:sldMk cId="494732124" sldId="257"/>
@@ -171,7 +176,7 @@
           </ac:spMkLst>
         </pc:spChg>
         <pc:spChg chg="mod">
-          <ac:chgData name="Jacob Edenhofer" userId="367848ecace4055b" providerId="LiveId" clId="{C41D9540-8302-4CD3-8EA7-4A47B96516C3}" dt="2024-05-26T12:54:55.728" v="493" actId="255"/>
+          <ac:chgData name="Jacob Edenhofer" userId="367848ecace4055b" providerId="LiveId" clId="{C41D9540-8302-4CD3-8EA7-4A47B96516C3}" dt="2024-05-29T10:33:19.724" v="1231" actId="255"/>
           <ac:spMkLst>
             <pc:docMk/>
             <pc:sldMk cId="494732124" sldId="257"/>
@@ -179,7 +184,7 @@
           </ac:spMkLst>
         </pc:spChg>
         <pc:spChg chg="mod">
-          <ac:chgData name="Jacob Edenhofer" userId="367848ecace4055b" providerId="LiveId" clId="{C41D9540-8302-4CD3-8EA7-4A47B96516C3}" dt="2024-05-26T12:54:55.728" v="493" actId="255"/>
+          <ac:chgData name="Jacob Edenhofer" userId="367848ecace4055b" providerId="LiveId" clId="{C41D9540-8302-4CD3-8EA7-4A47B96516C3}" dt="2024-05-29T12:49:15.696" v="1235" actId="313"/>
           <ac:spMkLst>
             <pc:docMk/>
             <pc:sldMk cId="494732124" sldId="257"/>
@@ -187,7 +192,7 @@
           </ac:spMkLst>
         </pc:spChg>
         <pc:spChg chg="mod">
-          <ac:chgData name="Jacob Edenhofer" userId="367848ecace4055b" providerId="LiveId" clId="{C41D9540-8302-4CD3-8EA7-4A47B96516C3}" dt="2024-05-26T13:50:50.162" v="1088" actId="313"/>
+          <ac:chgData name="Jacob Edenhofer" userId="367848ecace4055b" providerId="LiveId" clId="{C41D9540-8302-4CD3-8EA7-4A47B96516C3}" dt="2024-05-29T10:33:19.724" v="1231" actId="255"/>
           <ac:spMkLst>
             <pc:docMk/>
             <pc:sldMk cId="494732124" sldId="257"/>
@@ -195,7 +200,7 @@
           </ac:spMkLst>
         </pc:spChg>
         <pc:spChg chg="mod">
-          <ac:chgData name="Jacob Edenhofer" userId="367848ecace4055b" providerId="LiveId" clId="{C41D9540-8302-4CD3-8EA7-4A47B96516C3}" dt="2024-05-26T12:54:55.728" v="493" actId="255"/>
+          <ac:chgData name="Jacob Edenhofer" userId="367848ecace4055b" providerId="LiveId" clId="{C41D9540-8302-4CD3-8EA7-4A47B96516C3}" dt="2024-05-29T10:33:19.724" v="1231" actId="255"/>
           <ac:spMkLst>
             <pc:docMk/>
             <pc:sldMk cId="494732124" sldId="257"/>
@@ -203,7 +208,7 @@
           </ac:spMkLst>
         </pc:spChg>
         <pc:spChg chg="add mod">
-          <ac:chgData name="Jacob Edenhofer" userId="367848ecace4055b" providerId="LiveId" clId="{C41D9540-8302-4CD3-8EA7-4A47B96516C3}" dt="2024-05-26T13:52:36.503" v="1168" actId="20577"/>
+          <ac:chgData name="Jacob Edenhofer" userId="367848ecace4055b" providerId="LiveId" clId="{C41D9540-8302-4CD3-8EA7-4A47B96516C3}" dt="2024-05-29T10:33:19.724" v="1231" actId="255"/>
           <ac:spMkLst>
             <pc:docMk/>
             <pc:sldMk cId="494732124" sldId="257"/>
@@ -211,7 +216,7 @@
           </ac:spMkLst>
         </pc:spChg>
         <pc:spChg chg="add mod">
-          <ac:chgData name="Jacob Edenhofer" userId="367848ecace4055b" providerId="LiveId" clId="{C41D9540-8302-4CD3-8EA7-4A47B96516C3}" dt="2024-05-26T13:44:17.751" v="933" actId="20577"/>
+          <ac:chgData name="Jacob Edenhofer" userId="367848ecace4055b" providerId="LiveId" clId="{C41D9540-8302-4CD3-8EA7-4A47B96516C3}" dt="2024-05-29T10:33:19.724" v="1231" actId="255"/>
           <ac:spMkLst>
             <pc:docMk/>
             <pc:sldMk cId="494732124" sldId="257"/>
@@ -219,7 +224,7 @@
           </ac:spMkLst>
         </pc:spChg>
         <pc:spChg chg="add mod">
-          <ac:chgData name="Jacob Edenhofer" userId="367848ecace4055b" providerId="LiveId" clId="{C41D9540-8302-4CD3-8EA7-4A47B96516C3}" dt="2024-05-26T13:12:15.933" v="742" actId="207"/>
+          <ac:chgData name="Jacob Edenhofer" userId="367848ecace4055b" providerId="LiveId" clId="{C41D9540-8302-4CD3-8EA7-4A47B96516C3}" dt="2024-05-29T10:33:19.724" v="1231" actId="255"/>
           <ac:spMkLst>
             <pc:docMk/>
             <pc:sldMk cId="494732124" sldId="257"/>
@@ -243,7 +248,7 @@
           </ac:spMkLst>
         </pc:spChg>
         <pc:spChg chg="add mod">
-          <ac:chgData name="Jacob Edenhofer" userId="367848ecace4055b" providerId="LiveId" clId="{C41D9540-8302-4CD3-8EA7-4A47B96516C3}" dt="2024-05-26T13:46:08.291" v="949" actId="1582"/>
+          <ac:chgData name="Jacob Edenhofer" userId="367848ecace4055b" providerId="LiveId" clId="{C41D9540-8302-4CD3-8EA7-4A47B96516C3}" dt="2024-05-29T10:33:19.724" v="1231" actId="255"/>
           <ac:spMkLst>
             <pc:docMk/>
             <pc:sldMk cId="494732124" sldId="257"/>
@@ -251,7 +256,7 @@
           </ac:spMkLst>
         </pc:spChg>
         <pc:spChg chg="add mod">
-          <ac:chgData name="Jacob Edenhofer" userId="367848ecace4055b" providerId="LiveId" clId="{C41D9540-8302-4CD3-8EA7-4A47B96516C3}" dt="2024-05-26T13:47:21.839" v="1024" actId="1076"/>
+          <ac:chgData name="Jacob Edenhofer" userId="367848ecace4055b" providerId="LiveId" clId="{C41D9540-8302-4CD3-8EA7-4A47B96516C3}" dt="2024-05-29T10:33:19.724" v="1231" actId="255"/>
           <ac:spMkLst>
             <pc:docMk/>
             <pc:sldMk cId="494732124" sldId="257"/>
@@ -259,7 +264,7 @@
           </ac:spMkLst>
         </pc:spChg>
         <pc:spChg chg="add mod">
-          <ac:chgData name="Jacob Edenhofer" userId="367848ecace4055b" providerId="LiveId" clId="{C41D9540-8302-4CD3-8EA7-4A47B96516C3}" dt="2024-05-26T13:47:45.328" v="1028" actId="1076"/>
+          <ac:chgData name="Jacob Edenhofer" userId="367848ecace4055b" providerId="LiveId" clId="{C41D9540-8302-4CD3-8EA7-4A47B96516C3}" dt="2024-05-29T10:33:19.724" v="1231" actId="255"/>
           <ac:spMkLst>
             <pc:docMk/>
             <pc:sldMk cId="494732124" sldId="257"/>
@@ -267,7 +272,7 @@
           </ac:spMkLst>
         </pc:spChg>
         <pc:spChg chg="add mod">
-          <ac:chgData name="Jacob Edenhofer" userId="367848ecace4055b" providerId="LiveId" clId="{C41D9540-8302-4CD3-8EA7-4A47B96516C3}" dt="2024-05-26T13:47:59.597" v="1038" actId="20577"/>
+          <ac:chgData name="Jacob Edenhofer" userId="367848ecace4055b" providerId="LiveId" clId="{C41D9540-8302-4CD3-8EA7-4A47B96516C3}" dt="2024-05-29T10:33:19.724" v="1231" actId="255"/>
           <ac:spMkLst>
             <pc:docMk/>
             <pc:sldMk cId="494732124" sldId="257"/>
@@ -275,7 +280,7 @@
           </ac:spMkLst>
         </pc:spChg>
         <pc:spChg chg="add mod">
-          <ac:chgData name="Jacob Edenhofer" userId="367848ecace4055b" providerId="LiveId" clId="{C41D9540-8302-4CD3-8EA7-4A47B96516C3}" dt="2024-05-26T13:52:05.787" v="1148" actId="1037"/>
+          <ac:chgData name="Jacob Edenhofer" userId="367848ecace4055b" providerId="LiveId" clId="{C41D9540-8302-4CD3-8EA7-4A47B96516C3}" dt="2024-05-29T10:33:19.724" v="1231" actId="255"/>
           <ac:spMkLst>
             <pc:docMk/>
             <pc:sldMk cId="494732124" sldId="257"/>
@@ -283,7 +288,7 @@
           </ac:spMkLst>
         </pc:spChg>
         <pc:spChg chg="add mod">
-          <ac:chgData name="Jacob Edenhofer" userId="367848ecace4055b" providerId="LiveId" clId="{C41D9540-8302-4CD3-8EA7-4A47B96516C3}" dt="2024-05-26T13:53:41.609" v="1181" actId="1076"/>
+          <ac:chgData name="Jacob Edenhofer" userId="367848ecace4055b" providerId="LiveId" clId="{C41D9540-8302-4CD3-8EA7-4A47B96516C3}" dt="2024-05-29T10:33:19.724" v="1231" actId="255"/>
           <ac:spMkLst>
             <pc:docMk/>
             <pc:sldMk cId="494732124" sldId="257"/>
@@ -291,7 +296,7 @@
           </ac:spMkLst>
         </pc:spChg>
         <pc:spChg chg="add mod">
-          <ac:chgData name="Jacob Edenhofer" userId="367848ecace4055b" providerId="LiveId" clId="{C41D9540-8302-4CD3-8EA7-4A47B96516C3}" dt="2024-05-26T13:54:26.563" v="1188" actId="1076"/>
+          <ac:chgData name="Jacob Edenhofer" userId="367848ecace4055b" providerId="LiveId" clId="{C41D9540-8302-4CD3-8EA7-4A47B96516C3}" dt="2024-05-29T10:33:19.724" v="1231" actId="255"/>
           <ac:spMkLst>
             <pc:docMk/>
             <pc:sldMk cId="494732124" sldId="257"/>
@@ -299,7 +304,7 @@
           </ac:spMkLst>
         </pc:spChg>
         <pc:spChg chg="add mod">
-          <ac:chgData name="Jacob Edenhofer" userId="367848ecace4055b" providerId="LiveId" clId="{C41D9540-8302-4CD3-8EA7-4A47B96516C3}" dt="2024-05-26T13:55:03.090" v="1195" actId="20577"/>
+          <ac:chgData name="Jacob Edenhofer" userId="367848ecace4055b" providerId="LiveId" clId="{C41D9540-8302-4CD3-8EA7-4A47B96516C3}" dt="2024-05-29T10:33:19.724" v="1231" actId="255"/>
           <ac:spMkLst>
             <pc:docMk/>
             <pc:sldMk cId="494732124" sldId="257"/>
@@ -307,7 +312,7 @@
           </ac:spMkLst>
         </pc:spChg>
         <pc:spChg chg="add mod">
-          <ac:chgData name="Jacob Edenhofer" userId="367848ecace4055b" providerId="LiveId" clId="{C41D9540-8302-4CD3-8EA7-4A47B96516C3}" dt="2024-05-26T13:55:05.840" v="1197" actId="20577"/>
+          <ac:chgData name="Jacob Edenhofer" userId="367848ecace4055b" providerId="LiveId" clId="{C41D9540-8302-4CD3-8EA7-4A47B96516C3}" dt="2024-05-29T10:33:19.724" v="1231" actId="255"/>
           <ac:spMkLst>
             <pc:docMk/>
             <pc:sldMk cId="494732124" sldId="257"/>
@@ -315,7 +320,7 @@
           </ac:spMkLst>
         </pc:spChg>
         <pc:spChg chg="add mod">
-          <ac:chgData name="Jacob Edenhofer" userId="367848ecace4055b" providerId="LiveId" clId="{C41D9540-8302-4CD3-8EA7-4A47B96516C3}" dt="2024-05-26T13:56:20.509" v="1215" actId="1076"/>
+          <ac:chgData name="Jacob Edenhofer" userId="367848ecace4055b" providerId="LiveId" clId="{C41D9540-8302-4CD3-8EA7-4A47B96516C3}" dt="2024-05-29T10:33:19.724" v="1231" actId="255"/>
           <ac:spMkLst>
             <pc:docMk/>
             <pc:sldMk cId="494732124" sldId="257"/>
@@ -331,7 +336,7 @@
           </ac:spMkLst>
         </pc:spChg>
         <pc:spChg chg="add mod">
-          <ac:chgData name="Jacob Edenhofer" userId="367848ecace4055b" providerId="LiveId" clId="{C41D9540-8302-4CD3-8EA7-4A47B96516C3}" dt="2024-05-26T13:57:06.839" v="1224" actId="1076"/>
+          <ac:chgData name="Jacob Edenhofer" userId="367848ecace4055b" providerId="LiveId" clId="{C41D9540-8302-4CD3-8EA7-4A47B96516C3}" dt="2024-05-29T10:33:19.724" v="1231" actId="255"/>
           <ac:spMkLst>
             <pc:docMk/>
             <pc:sldMk cId="494732124" sldId="257"/>
@@ -339,7 +344,7 @@
           </ac:spMkLst>
         </pc:spChg>
         <pc:spChg chg="add mod">
-          <ac:chgData name="Jacob Edenhofer" userId="367848ecace4055b" providerId="LiveId" clId="{C41D9540-8302-4CD3-8EA7-4A47B96516C3}" dt="2024-05-26T13:57:30.882" v="1226" actId="1076"/>
+          <ac:chgData name="Jacob Edenhofer" userId="367848ecace4055b" providerId="LiveId" clId="{C41D9540-8302-4CD3-8EA7-4A47B96516C3}" dt="2024-05-29T10:33:19.724" v="1231" actId="255"/>
           <ac:spMkLst>
             <pc:docMk/>
             <pc:sldMk cId="494732124" sldId="257"/>
@@ -347,7 +352,7 @@
           </ac:spMkLst>
         </pc:spChg>
         <pc:spChg chg="add mod">
-          <ac:chgData name="Jacob Edenhofer" userId="367848ecace4055b" providerId="LiveId" clId="{C41D9540-8302-4CD3-8EA7-4A47B96516C3}" dt="2024-05-26T13:57:45.198" v="1228" actId="1076"/>
+          <ac:chgData name="Jacob Edenhofer" userId="367848ecace4055b" providerId="LiveId" clId="{C41D9540-8302-4CD3-8EA7-4A47B96516C3}" dt="2024-05-29T10:33:19.724" v="1231" actId="255"/>
           <ac:spMkLst>
             <pc:docMk/>
             <pc:sldMk cId="494732124" sldId="257"/>
@@ -677,7 +682,7 @@
           <a:p>
             <a:fld id="{18196023-38AC-4456-833F-2E8028C21DDC}" type="datetimeFigureOut">
               <a:rPr lang="en-GB" smtClean="0"/>
-              <a:t>26/05/2024</a:t>
+              <a:t>29/05/2024</a:t>
             </a:fld>
             <a:endParaRPr lang="en-GB"/>
           </a:p>
@@ -877,7 +882,7 @@
           <a:p>
             <a:fld id="{18196023-38AC-4456-833F-2E8028C21DDC}" type="datetimeFigureOut">
               <a:rPr lang="en-GB" smtClean="0"/>
-              <a:t>26/05/2024</a:t>
+              <a:t>29/05/2024</a:t>
             </a:fld>
             <a:endParaRPr lang="en-GB"/>
           </a:p>
@@ -1087,7 +1092,7 @@
           <a:p>
             <a:fld id="{18196023-38AC-4456-833F-2E8028C21DDC}" type="datetimeFigureOut">
               <a:rPr lang="en-GB" smtClean="0"/>
-              <a:t>26/05/2024</a:t>
+              <a:t>29/05/2024</a:t>
             </a:fld>
             <a:endParaRPr lang="en-GB"/>
           </a:p>
@@ -1287,7 +1292,7 @@
           <a:p>
             <a:fld id="{18196023-38AC-4456-833F-2E8028C21DDC}" type="datetimeFigureOut">
               <a:rPr lang="en-GB" smtClean="0"/>
-              <a:t>26/05/2024</a:t>
+              <a:t>29/05/2024</a:t>
             </a:fld>
             <a:endParaRPr lang="en-GB"/>
           </a:p>
@@ -1563,7 +1568,7 @@
           <a:p>
             <a:fld id="{18196023-38AC-4456-833F-2E8028C21DDC}" type="datetimeFigureOut">
               <a:rPr lang="en-GB" smtClean="0"/>
-              <a:t>26/05/2024</a:t>
+              <a:t>29/05/2024</a:t>
             </a:fld>
             <a:endParaRPr lang="en-GB"/>
           </a:p>
@@ -1831,7 +1836,7 @@
           <a:p>
             <a:fld id="{18196023-38AC-4456-833F-2E8028C21DDC}" type="datetimeFigureOut">
               <a:rPr lang="en-GB" smtClean="0"/>
-              <a:t>26/05/2024</a:t>
+              <a:t>29/05/2024</a:t>
             </a:fld>
             <a:endParaRPr lang="en-GB"/>
           </a:p>
@@ -2246,7 +2251,7 @@
           <a:p>
             <a:fld id="{18196023-38AC-4456-833F-2E8028C21DDC}" type="datetimeFigureOut">
               <a:rPr lang="en-GB" smtClean="0"/>
-              <a:t>26/05/2024</a:t>
+              <a:t>29/05/2024</a:t>
             </a:fld>
             <a:endParaRPr lang="en-GB"/>
           </a:p>
@@ -2388,7 +2393,7 @@
           <a:p>
             <a:fld id="{18196023-38AC-4456-833F-2E8028C21DDC}" type="datetimeFigureOut">
               <a:rPr lang="en-GB" smtClean="0"/>
-              <a:t>26/05/2024</a:t>
+              <a:t>29/05/2024</a:t>
             </a:fld>
             <a:endParaRPr lang="en-GB"/>
           </a:p>
@@ -2501,7 +2506,7 @@
           <a:p>
             <a:fld id="{18196023-38AC-4456-833F-2E8028C21DDC}" type="datetimeFigureOut">
               <a:rPr lang="en-GB" smtClean="0"/>
-              <a:t>26/05/2024</a:t>
+              <a:t>29/05/2024</a:t>
             </a:fld>
             <a:endParaRPr lang="en-GB"/>
           </a:p>
@@ -2814,7 +2819,7 @@
           <a:p>
             <a:fld id="{18196023-38AC-4456-833F-2E8028C21DDC}" type="datetimeFigureOut">
               <a:rPr lang="en-GB" smtClean="0"/>
-              <a:t>26/05/2024</a:t>
+              <a:t>29/05/2024</a:t>
             </a:fld>
             <a:endParaRPr lang="en-GB"/>
           </a:p>
@@ -3103,7 +3108,7 @@
           <a:p>
             <a:fld id="{18196023-38AC-4456-833F-2E8028C21DDC}" type="datetimeFigureOut">
               <a:rPr lang="en-GB" smtClean="0"/>
-              <a:t>26/05/2024</a:t>
+              <a:t>29/05/2024</a:t>
             </a:fld>
             <a:endParaRPr lang="en-GB"/>
           </a:p>
@@ -3346,7 +3351,7 @@
           <a:p>
             <a:fld id="{18196023-38AC-4456-833F-2E8028C21DDC}" type="datetimeFigureOut">
               <a:rPr lang="en-GB" smtClean="0"/>
-              <a:t>26/05/2024</a:t>
+              <a:t>29/05/2024</a:t>
             </a:fld>
             <a:endParaRPr lang="en-GB"/>
           </a:p>
@@ -3812,7 +3817,7 @@
           <a:p>
             <a:pPr algn="ctr"/>
             <a:r>
-              <a:rPr lang="en-GB" sz="1400" dirty="0"/>
+              <a:rPr lang="en-GB" sz="1300" dirty="0"/>
               <a:t>Corporatism (concertation)</a:t>
             </a:r>
           </a:p>
@@ -3867,7 +3872,7 @@
           <a:p>
             <a:pPr algn="ctr"/>
             <a:r>
-              <a:rPr lang="en-GB" sz="1400" dirty="0"/>
+              <a:rPr lang="en-GB" sz="1300" dirty="0"/>
               <a:t>Repeated interaction (folk theorem logic)</a:t>
             </a:r>
           </a:p>
@@ -3922,7 +3927,7 @@
           <a:p>
             <a:pPr algn="ctr"/>
             <a:r>
-              <a:rPr lang="en-GB" sz="1400" dirty="0"/>
+              <a:rPr lang="en-GB" sz="1300" dirty="0"/>
               <a:t>Credible compensation</a:t>
             </a:r>
           </a:p>
@@ -3977,7 +3982,7 @@
           <a:p>
             <a:pPr algn="ctr"/>
             <a:r>
-              <a:rPr lang="en-GB" sz="1400" dirty="0"/>
+              <a:rPr lang="en-GB" sz="1300" dirty="0"/>
               <a:t>Easier to impose short-term cost for long-term gain</a:t>
             </a:r>
           </a:p>
@@ -4034,7 +4039,7 @@
           <a:p>
             <a:pPr algn="ctr"/>
             <a:r>
-              <a:rPr lang="en-GB" sz="1400" dirty="0"/>
+              <a:rPr lang="en-GB" sz="1300" dirty="0"/>
               <a:t>Electoral competitiveness (when driven by green parties) </a:t>
             </a:r>
           </a:p>
@@ -4089,7 +4094,7 @@
           <a:p>
             <a:pPr algn="ctr"/>
             <a:r>
-              <a:rPr lang="en-GB" sz="1400" dirty="0"/>
+              <a:rPr lang="en-GB" sz="1300" dirty="0"/>
               <a:t>Institutionalised access to policymaking</a:t>
             </a:r>
           </a:p>
@@ -4144,8 +4149,16 @@
           <a:p>
             <a:pPr algn="ctr"/>
             <a:r>
-              <a:rPr lang="en-GB" sz="1400" dirty="0"/>
-              <a:t>‘Double representation’ of dirty labour / capital</a:t>
+              <a:rPr lang="en-GB" sz="1300" dirty="0"/>
+              <a:t>‘Double representation’ </a:t>
+            </a:r>
+            <a:r>
+              <a:rPr lang="en-GB" sz="1300"/>
+              <a:t>of ‘dirty’ </a:t>
+            </a:r>
+            <a:r>
+              <a:rPr lang="en-GB" sz="1300" dirty="0"/>
+              <a:t>labour / capital</a:t>
             </a:r>
           </a:p>
         </p:txBody>
@@ -4199,7 +4212,7 @@
           <a:p>
             <a:pPr algn="ctr"/>
             <a:r>
-              <a:rPr lang="en-GB" sz="1400" dirty="0"/>
+              <a:rPr lang="en-GB" sz="1300" dirty="0"/>
               <a:t>Can block policies or reduce ambition / skew distribution of costs in producers’ favour</a:t>
             </a:r>
           </a:p>
@@ -4256,7 +4269,7 @@
           <a:p>
             <a:pPr algn="ctr"/>
             <a:r>
-              <a:rPr lang="en-GB" sz="1400" dirty="0"/>
+              <a:rPr lang="en-GB" sz="1300" dirty="0"/>
               <a:t>Openness of economy</a:t>
             </a:r>
           </a:p>
@@ -4313,7 +4326,7 @@
           <a:p>
             <a:pPr algn="ctr"/>
             <a:r>
-              <a:rPr lang="en-GB" sz="1400" dirty="0"/>
+              <a:rPr lang="en-GB" sz="1300" dirty="0"/>
               <a:t>Lower economic importance of  ‘dirty’ manufacturing</a:t>
             </a:r>
           </a:p>
@@ -4370,7 +4383,7 @@
           <a:p>
             <a:pPr algn="ctr"/>
             <a:r>
-              <a:rPr lang="en-GB" sz="1400" dirty="0"/>
+              <a:rPr lang="en-GB" sz="1300" dirty="0"/>
               <a:t>Adoption / stringency of climate policy</a:t>
             </a:r>
           </a:p>
@@ -4427,11 +4440,11 @@
           <a:p>
             <a:pPr algn="ctr"/>
             <a:r>
-              <a:rPr lang="en-GB" sz="1400" dirty="0"/>
+              <a:rPr lang="en-GB" sz="1300" dirty="0"/>
               <a:t>Distribution of costs favourable to consumers (</a:t>
             </a:r>
             <a:r>
-              <a:rPr lang="en-GB" sz="1400" b="0" i="0" dirty="0">
+              <a:rPr lang="en-GB" sz="1300" b="0" i="0" dirty="0">
                 <a:solidFill>
                   <a:schemeClr val="bg1"/>
                 </a:solidFill>
@@ -4440,7 +4453,7 @@
               <a:t>vis-à-vis</a:t>
             </a:r>
             <a:r>
-              <a:rPr lang="en-GB" sz="1400" dirty="0"/>
+              <a:rPr lang="en-GB" sz="1300" dirty="0"/>
               <a:t> producers) </a:t>
             </a:r>
           </a:p>
@@ -4954,7 +4967,7 @@
           <a:lstStyle/>
           <a:p>
             <a:pPr algn="ctr"/>
-            <a:endParaRPr lang="en-GB"/>
+            <a:endParaRPr lang="en-GB" sz="1300"/>
           </a:p>
         </p:txBody>
       </p:sp>
@@ -4973,7 +4986,7 @@
         <p:spPr>
           <a:xfrm>
             <a:off x="3273552" y="5998087"/>
-            <a:ext cx="4821936" cy="307777"/>
+            <a:ext cx="4821936" cy="292388"/>
           </a:xfrm>
           <a:prstGeom prst="rect">
             <a:avLst/>
@@ -4987,7 +5000,7 @@
           <a:lstStyle/>
           <a:p>
             <a:r>
-              <a:rPr lang="en-GB" sz="1400" dirty="0"/>
+              <a:rPr lang="en-GB" sz="1300" dirty="0"/>
               <a:t>Causal mechanism underlying Mildenberger-type arguments</a:t>
             </a:r>
           </a:p>
@@ -5037,7 +5050,7 @@
           <a:lstStyle/>
           <a:p>
             <a:pPr algn="ctr"/>
-            <a:endParaRPr lang="en-GB"/>
+            <a:endParaRPr lang="en-GB" sz="1300"/>
           </a:p>
         </p:txBody>
       </p:sp>
@@ -5056,7 +5069,7 @@
         <p:spPr>
           <a:xfrm>
             <a:off x="3273552" y="554576"/>
-            <a:ext cx="4821936" cy="307777"/>
+            <a:ext cx="4821936" cy="292388"/>
           </a:xfrm>
           <a:prstGeom prst="rect">
             <a:avLst/>
@@ -5070,7 +5083,7 @@
           <a:lstStyle/>
           <a:p>
             <a:r>
-              <a:rPr lang="en-GB" sz="1400" dirty="0"/>
+              <a:rPr lang="en-GB" sz="1300" dirty="0"/>
               <a:t>Causal mechanism underlying Finnegan-type arguments</a:t>
             </a:r>
           </a:p>
@@ -5091,7 +5104,7 @@
         <p:spPr>
           <a:xfrm>
             <a:off x="6154364" y="2175921"/>
-            <a:ext cx="1136452" cy="307777"/>
+            <a:ext cx="1136452" cy="292388"/>
           </a:xfrm>
           <a:prstGeom prst="rect">
             <a:avLst/>
@@ -5105,7 +5118,7 @@
           <a:lstStyle/>
           <a:p>
             <a:r>
-              <a:rPr lang="en-GB" sz="1400" dirty="0"/>
+              <a:rPr lang="en-GB" sz="1300" dirty="0"/>
               <a:t>strengthens</a:t>
             </a:r>
           </a:p>
@@ -5209,7 +5222,7 @@
         <p:spPr>
           <a:xfrm>
             <a:off x="6298692" y="4339586"/>
-            <a:ext cx="1136452" cy="307777"/>
+            <a:ext cx="1136452" cy="292388"/>
           </a:xfrm>
           <a:prstGeom prst="rect">
             <a:avLst/>
@@ -5223,7 +5236,7 @@
           <a:lstStyle/>
           <a:p>
             <a:r>
-              <a:rPr lang="en-GB" sz="1400" dirty="0"/>
+              <a:rPr lang="en-GB" sz="1300" dirty="0"/>
               <a:t>weakens</a:t>
             </a:r>
           </a:p>
@@ -5244,7 +5257,7 @@
         <p:spPr>
           <a:xfrm>
             <a:off x="3747516" y="3313592"/>
-            <a:ext cx="466344" cy="307777"/>
+            <a:ext cx="466344" cy="292388"/>
           </a:xfrm>
           <a:prstGeom prst="rect">
             <a:avLst/>
@@ -5258,7 +5271,7 @@
           <a:lstStyle/>
           <a:p>
             <a:r>
-              <a:rPr lang="en-GB" sz="1400" dirty="0"/>
+              <a:rPr lang="en-GB" sz="1300" dirty="0"/>
               <a:t>H1</a:t>
             </a:r>
           </a:p>
@@ -5279,7 +5292,7 @@
         <p:spPr>
           <a:xfrm>
             <a:off x="9659873" y="2295368"/>
-            <a:ext cx="466344" cy="307777"/>
+            <a:ext cx="466344" cy="292388"/>
           </a:xfrm>
           <a:prstGeom prst="rect">
             <a:avLst/>
@@ -5293,7 +5306,7 @@
           <a:lstStyle/>
           <a:p>
             <a:r>
-              <a:rPr lang="en-GB" sz="1400" dirty="0"/>
+              <a:rPr lang="en-GB" sz="1300" dirty="0"/>
               <a:t>H2</a:t>
             </a:r>
           </a:p>
@@ -5314,7 +5327,7 @@
         <p:spPr>
           <a:xfrm>
             <a:off x="9659873" y="4216599"/>
-            <a:ext cx="466344" cy="307777"/>
+            <a:ext cx="466344" cy="292388"/>
           </a:xfrm>
           <a:prstGeom prst="rect">
             <a:avLst/>
@@ -5328,7 +5341,7 @@
           <a:lstStyle/>
           <a:p>
             <a:r>
-              <a:rPr lang="en-GB" sz="1400" dirty="0"/>
+              <a:rPr lang="en-GB" sz="1300" dirty="0"/>
               <a:t>H3</a:t>
             </a:r>
           </a:p>
@@ -5349,7 +5362,7 @@
         <p:spPr>
           <a:xfrm>
             <a:off x="9313551" y="4139531"/>
-            <a:ext cx="270886" cy="400110"/>
+            <a:ext cx="270886" cy="292388"/>
           </a:xfrm>
           <a:prstGeom prst="rect">
             <a:avLst/>
@@ -5363,7 +5376,7 @@
           <a:lstStyle/>
           <a:p>
             <a:r>
-              <a:rPr lang="en-GB" sz="2000" b="1" dirty="0"/>
+              <a:rPr lang="en-GB" sz="1300" b="1" dirty="0"/>
               <a:t>-</a:t>
             </a:r>
           </a:p>
@@ -5384,7 +5397,7 @@
         <p:spPr>
           <a:xfrm>
             <a:off x="9302020" y="2248392"/>
-            <a:ext cx="270886" cy="400110"/>
+            <a:ext cx="270886" cy="292388"/>
           </a:xfrm>
           <a:prstGeom prst="rect">
             <a:avLst/>
@@ -5398,7 +5411,7 @@
           <a:lstStyle/>
           <a:p>
             <a:r>
-              <a:rPr lang="en-GB" sz="2000" dirty="0"/>
+              <a:rPr lang="en-GB" sz="1300" dirty="0"/>
               <a:t>+</a:t>
             </a:r>
           </a:p>
@@ -5419,7 +5432,7 @@
         <p:spPr>
           <a:xfrm>
             <a:off x="8309681" y="2245265"/>
-            <a:ext cx="270886" cy="400110"/>
+            <a:ext cx="270886" cy="292388"/>
           </a:xfrm>
           <a:prstGeom prst="rect">
             <a:avLst/>
@@ -5433,7 +5446,7 @@
           <a:lstStyle/>
           <a:p>
             <a:r>
-              <a:rPr lang="en-GB" sz="2000" dirty="0"/>
+              <a:rPr lang="en-GB" sz="1300" dirty="0"/>
               <a:t>+</a:t>
             </a:r>
           </a:p>
@@ -5454,7 +5467,7 @@
         <p:spPr>
           <a:xfrm>
             <a:off x="8341612" y="4166556"/>
-            <a:ext cx="270886" cy="400110"/>
+            <a:ext cx="270886" cy="292388"/>
           </a:xfrm>
           <a:prstGeom prst="rect">
             <a:avLst/>
@@ -5468,7 +5481,7 @@
           <a:lstStyle/>
           <a:p>
             <a:r>
-              <a:rPr lang="en-GB" sz="2000" b="1" dirty="0"/>
+              <a:rPr lang="en-GB" sz="1300" b="1" dirty="0"/>
               <a:t>-</a:t>
             </a:r>
           </a:p>

--- a/06 Figures and tables/theoretical_framework.pptx
+++ b/06 Figures and tables/theoretical_framework.pptx
@@ -125,12 +125,12 @@
   <pc:docChgLst>
     <pc:chgData name="Jacob Edenhofer" userId="367848ecace4055b" providerId="LiveId" clId="{C41D9540-8302-4CD3-8EA7-4A47B96516C3}"/>
     <pc:docChg chg="undo custSel modSld">
-      <pc:chgData name="Jacob Edenhofer" userId="367848ecace4055b" providerId="LiveId" clId="{C41D9540-8302-4CD3-8EA7-4A47B96516C3}" dt="2024-05-29T12:49:15.696" v="1235" actId="313"/>
+      <pc:chgData name="Jacob Edenhofer" userId="367848ecace4055b" providerId="LiveId" clId="{C41D9540-8302-4CD3-8EA7-4A47B96516C3}" dt="2024-05-30T16:17:21.533" v="1239" actId="20577"/>
       <pc:docMkLst>
         <pc:docMk/>
       </pc:docMkLst>
       <pc:sldChg chg="addSp delSp modSp mod">
-        <pc:chgData name="Jacob Edenhofer" userId="367848ecace4055b" providerId="LiveId" clId="{C41D9540-8302-4CD3-8EA7-4A47B96516C3}" dt="2024-05-29T12:49:15.696" v="1235" actId="313"/>
+        <pc:chgData name="Jacob Edenhofer" userId="367848ecace4055b" providerId="LiveId" clId="{C41D9540-8302-4CD3-8EA7-4A47B96516C3}" dt="2024-05-30T16:17:21.533" v="1239" actId="20577"/>
         <pc:sldMkLst>
           <pc:docMk/>
           <pc:sldMk cId="494732124" sldId="257"/>
@@ -304,7 +304,7 @@
           </ac:spMkLst>
         </pc:spChg>
         <pc:spChg chg="add mod">
-          <ac:chgData name="Jacob Edenhofer" userId="367848ecace4055b" providerId="LiveId" clId="{C41D9540-8302-4CD3-8EA7-4A47B96516C3}" dt="2024-05-29T10:33:19.724" v="1231" actId="255"/>
+          <ac:chgData name="Jacob Edenhofer" userId="367848ecace4055b" providerId="LiveId" clId="{C41D9540-8302-4CD3-8EA7-4A47B96516C3}" dt="2024-05-30T16:17:17.877" v="1237" actId="20577"/>
           <ac:spMkLst>
             <pc:docMk/>
             <pc:sldMk cId="494732124" sldId="257"/>
@@ -312,7 +312,7 @@
           </ac:spMkLst>
         </pc:spChg>
         <pc:spChg chg="add mod">
-          <ac:chgData name="Jacob Edenhofer" userId="367848ecace4055b" providerId="LiveId" clId="{C41D9540-8302-4CD3-8EA7-4A47B96516C3}" dt="2024-05-29T10:33:19.724" v="1231" actId="255"/>
+          <ac:chgData name="Jacob Edenhofer" userId="367848ecace4055b" providerId="LiveId" clId="{C41D9540-8302-4CD3-8EA7-4A47B96516C3}" dt="2024-05-30T16:17:21.533" v="1239" actId="20577"/>
           <ac:spMkLst>
             <pc:docMk/>
             <pc:sldMk cId="494732124" sldId="257"/>
@@ -682,7 +682,7 @@
           <a:p>
             <a:fld id="{18196023-38AC-4456-833F-2E8028C21DDC}" type="datetimeFigureOut">
               <a:rPr lang="en-GB" smtClean="0"/>
-              <a:t>29/05/2024</a:t>
+              <a:t>30/05/2024</a:t>
             </a:fld>
             <a:endParaRPr lang="en-GB"/>
           </a:p>
@@ -882,7 +882,7 @@
           <a:p>
             <a:fld id="{18196023-38AC-4456-833F-2E8028C21DDC}" type="datetimeFigureOut">
               <a:rPr lang="en-GB" smtClean="0"/>
-              <a:t>29/05/2024</a:t>
+              <a:t>30/05/2024</a:t>
             </a:fld>
             <a:endParaRPr lang="en-GB"/>
           </a:p>
@@ -1092,7 +1092,7 @@
           <a:p>
             <a:fld id="{18196023-38AC-4456-833F-2E8028C21DDC}" type="datetimeFigureOut">
               <a:rPr lang="en-GB" smtClean="0"/>
-              <a:t>29/05/2024</a:t>
+              <a:t>30/05/2024</a:t>
             </a:fld>
             <a:endParaRPr lang="en-GB"/>
           </a:p>
@@ -1292,7 +1292,7 @@
           <a:p>
             <a:fld id="{18196023-38AC-4456-833F-2E8028C21DDC}" type="datetimeFigureOut">
               <a:rPr lang="en-GB" smtClean="0"/>
-              <a:t>29/05/2024</a:t>
+              <a:t>30/05/2024</a:t>
             </a:fld>
             <a:endParaRPr lang="en-GB"/>
           </a:p>
@@ -1568,7 +1568,7 @@
           <a:p>
             <a:fld id="{18196023-38AC-4456-833F-2E8028C21DDC}" type="datetimeFigureOut">
               <a:rPr lang="en-GB" smtClean="0"/>
-              <a:t>29/05/2024</a:t>
+              <a:t>30/05/2024</a:t>
             </a:fld>
             <a:endParaRPr lang="en-GB"/>
           </a:p>
@@ -1836,7 +1836,7 @@
           <a:p>
             <a:fld id="{18196023-38AC-4456-833F-2E8028C21DDC}" type="datetimeFigureOut">
               <a:rPr lang="en-GB" smtClean="0"/>
-              <a:t>29/05/2024</a:t>
+              <a:t>30/05/2024</a:t>
             </a:fld>
             <a:endParaRPr lang="en-GB"/>
           </a:p>
@@ -2251,7 +2251,7 @@
           <a:p>
             <a:fld id="{18196023-38AC-4456-833F-2E8028C21DDC}" type="datetimeFigureOut">
               <a:rPr lang="en-GB" smtClean="0"/>
-              <a:t>29/05/2024</a:t>
+              <a:t>30/05/2024</a:t>
             </a:fld>
             <a:endParaRPr lang="en-GB"/>
           </a:p>
@@ -2393,7 +2393,7 @@
           <a:p>
             <a:fld id="{18196023-38AC-4456-833F-2E8028C21DDC}" type="datetimeFigureOut">
               <a:rPr lang="en-GB" smtClean="0"/>
-              <a:t>29/05/2024</a:t>
+              <a:t>30/05/2024</a:t>
             </a:fld>
             <a:endParaRPr lang="en-GB"/>
           </a:p>
@@ -2506,7 +2506,7 @@
           <a:p>
             <a:fld id="{18196023-38AC-4456-833F-2E8028C21DDC}" type="datetimeFigureOut">
               <a:rPr lang="en-GB" smtClean="0"/>
-              <a:t>29/05/2024</a:t>
+              <a:t>30/05/2024</a:t>
             </a:fld>
             <a:endParaRPr lang="en-GB"/>
           </a:p>
@@ -2819,7 +2819,7 @@
           <a:p>
             <a:fld id="{18196023-38AC-4456-833F-2E8028C21DDC}" type="datetimeFigureOut">
               <a:rPr lang="en-GB" smtClean="0"/>
-              <a:t>29/05/2024</a:t>
+              <a:t>30/05/2024</a:t>
             </a:fld>
             <a:endParaRPr lang="en-GB"/>
           </a:p>
@@ -3108,7 +3108,7 @@
           <a:p>
             <a:fld id="{18196023-38AC-4456-833F-2E8028C21DDC}" type="datetimeFigureOut">
               <a:rPr lang="en-GB" smtClean="0"/>
-              <a:t>29/05/2024</a:t>
+              <a:t>30/05/2024</a:t>
             </a:fld>
             <a:endParaRPr lang="en-GB"/>
           </a:p>
@@ -3351,7 +3351,7 @@
           <a:p>
             <a:fld id="{18196023-38AC-4456-833F-2E8028C21DDC}" type="datetimeFigureOut">
               <a:rPr lang="en-GB" smtClean="0"/>
-              <a:t>29/05/2024</a:t>
+              <a:t>30/05/2024</a:t>
             </a:fld>
             <a:endParaRPr lang="en-GB"/>
           </a:p>
@@ -5307,7 +5307,7 @@
           <a:p>
             <a:r>
               <a:rPr lang="en-GB" sz="1300" dirty="0"/>
-              <a:t>H2</a:t>
+              <a:t>H3</a:t>
             </a:r>
           </a:p>
         </p:txBody>
@@ -5341,9 +5341,10 @@
           <a:lstStyle/>
           <a:p>
             <a:r>
-              <a:rPr lang="en-GB" sz="1300" dirty="0"/>
-              <a:t>H3</a:t>
-            </a:r>
+              <a:rPr lang="en-GB" sz="1300"/>
+              <a:t>H2</a:t>
+            </a:r>
+            <a:endParaRPr lang="en-GB" sz="1300" dirty="0"/>
           </a:p>
         </p:txBody>
       </p:sp>

--- a/06 Figures and tables/theoretical_framework.pptx
+++ b/06 Figures and tables/theoretical_framework.pptx
@@ -125,12 +125,12 @@
   <pc:docChgLst>
     <pc:chgData name="Jacob Edenhofer" userId="367848ecace4055b" providerId="LiveId" clId="{C41D9540-8302-4CD3-8EA7-4A47B96516C3}"/>
     <pc:docChg chg="undo custSel modSld">
-      <pc:chgData name="Jacob Edenhofer" userId="367848ecace4055b" providerId="LiveId" clId="{C41D9540-8302-4CD3-8EA7-4A47B96516C3}" dt="2024-05-30T16:17:21.533" v="1239" actId="20577"/>
+      <pc:chgData name="Jacob Edenhofer" userId="367848ecace4055b" providerId="LiveId" clId="{C41D9540-8302-4CD3-8EA7-4A47B96516C3}" dt="2024-05-30T20:11:26.405" v="1247" actId="14100"/>
       <pc:docMkLst>
         <pc:docMk/>
       </pc:docMkLst>
       <pc:sldChg chg="addSp delSp modSp mod">
-        <pc:chgData name="Jacob Edenhofer" userId="367848ecace4055b" providerId="LiveId" clId="{C41D9540-8302-4CD3-8EA7-4A47B96516C3}" dt="2024-05-30T16:17:21.533" v="1239" actId="20577"/>
+        <pc:chgData name="Jacob Edenhofer" userId="367848ecace4055b" providerId="LiveId" clId="{C41D9540-8302-4CD3-8EA7-4A47B96516C3}" dt="2024-05-30T20:11:26.405" v="1247" actId="14100"/>
         <pc:sldMkLst>
           <pc:docMk/>
           <pc:sldMk cId="494732124" sldId="257"/>
@@ -296,7 +296,7 @@
           </ac:spMkLst>
         </pc:spChg>
         <pc:spChg chg="add mod">
-          <ac:chgData name="Jacob Edenhofer" userId="367848ecace4055b" providerId="LiveId" clId="{C41D9540-8302-4CD3-8EA7-4A47B96516C3}" dt="2024-05-29T10:33:19.724" v="1231" actId="255"/>
+          <ac:chgData name="Jacob Edenhofer" userId="367848ecace4055b" providerId="LiveId" clId="{C41D9540-8302-4CD3-8EA7-4A47B96516C3}" dt="2024-05-30T20:11:26.405" v="1247" actId="14100"/>
           <ac:spMkLst>
             <pc:docMk/>
             <pc:sldMk cId="494732124" sldId="257"/>

--- a/06 Figures and tables/theoretical_framework.pptx
+++ b/06 Figures and tables/theoretical_framework.pptx
@@ -125,12 +125,12 @@
   <pc:docChgLst>
     <pc:chgData name="Jacob Edenhofer" userId="367848ecace4055b" providerId="LiveId" clId="{C41D9540-8302-4CD3-8EA7-4A47B96516C3}"/>
     <pc:docChg chg="undo custSel modSld">
-      <pc:chgData name="Jacob Edenhofer" userId="367848ecace4055b" providerId="LiveId" clId="{C41D9540-8302-4CD3-8EA7-4A47B96516C3}" dt="2024-05-30T20:11:26.405" v="1247" actId="14100"/>
+      <pc:chgData name="Jacob Edenhofer" userId="367848ecace4055b" providerId="LiveId" clId="{C41D9540-8302-4CD3-8EA7-4A47B96516C3}" dt="2024-06-03T09:31:38.385" v="1255" actId="20577"/>
       <pc:docMkLst>
         <pc:docMk/>
       </pc:docMkLst>
       <pc:sldChg chg="addSp delSp modSp mod">
-        <pc:chgData name="Jacob Edenhofer" userId="367848ecace4055b" providerId="LiveId" clId="{C41D9540-8302-4CD3-8EA7-4A47B96516C3}" dt="2024-05-30T20:11:26.405" v="1247" actId="14100"/>
+        <pc:chgData name="Jacob Edenhofer" userId="367848ecace4055b" providerId="LiveId" clId="{C41D9540-8302-4CD3-8EA7-4A47B96516C3}" dt="2024-06-03T09:31:38.385" v="1255" actId="20577"/>
         <pc:sldMkLst>
           <pc:docMk/>
           <pc:sldMk cId="494732124" sldId="257"/>
@@ -208,7 +208,7 @@
           </ac:spMkLst>
         </pc:spChg>
         <pc:spChg chg="add mod">
-          <ac:chgData name="Jacob Edenhofer" userId="367848ecace4055b" providerId="LiveId" clId="{C41D9540-8302-4CD3-8EA7-4A47B96516C3}" dt="2024-05-29T10:33:19.724" v="1231" actId="255"/>
+          <ac:chgData name="Jacob Edenhofer" userId="367848ecace4055b" providerId="LiveId" clId="{C41D9540-8302-4CD3-8EA7-4A47B96516C3}" dt="2024-06-03T09:31:38.385" v="1255" actId="20577"/>
           <ac:spMkLst>
             <pc:docMk/>
             <pc:sldMk cId="494732124" sldId="257"/>
@@ -682,7 +682,7 @@
           <a:p>
             <a:fld id="{18196023-38AC-4456-833F-2E8028C21DDC}" type="datetimeFigureOut">
               <a:rPr lang="en-GB" smtClean="0"/>
-              <a:t>30/05/2024</a:t>
+              <a:t>03/06/2024</a:t>
             </a:fld>
             <a:endParaRPr lang="en-GB"/>
           </a:p>
@@ -882,7 +882,7 @@
           <a:p>
             <a:fld id="{18196023-38AC-4456-833F-2E8028C21DDC}" type="datetimeFigureOut">
               <a:rPr lang="en-GB" smtClean="0"/>
-              <a:t>30/05/2024</a:t>
+              <a:t>03/06/2024</a:t>
             </a:fld>
             <a:endParaRPr lang="en-GB"/>
           </a:p>
@@ -1092,7 +1092,7 @@
           <a:p>
             <a:fld id="{18196023-38AC-4456-833F-2E8028C21DDC}" type="datetimeFigureOut">
               <a:rPr lang="en-GB" smtClean="0"/>
-              <a:t>30/05/2024</a:t>
+              <a:t>03/06/2024</a:t>
             </a:fld>
             <a:endParaRPr lang="en-GB"/>
           </a:p>
@@ -1292,7 +1292,7 @@
           <a:p>
             <a:fld id="{18196023-38AC-4456-833F-2E8028C21DDC}" type="datetimeFigureOut">
               <a:rPr lang="en-GB" smtClean="0"/>
-              <a:t>30/05/2024</a:t>
+              <a:t>03/06/2024</a:t>
             </a:fld>
             <a:endParaRPr lang="en-GB"/>
           </a:p>
@@ -1568,7 +1568,7 @@
           <a:p>
             <a:fld id="{18196023-38AC-4456-833F-2E8028C21DDC}" type="datetimeFigureOut">
               <a:rPr lang="en-GB" smtClean="0"/>
-              <a:t>30/05/2024</a:t>
+              <a:t>03/06/2024</a:t>
             </a:fld>
             <a:endParaRPr lang="en-GB"/>
           </a:p>
@@ -1836,7 +1836,7 @@
           <a:p>
             <a:fld id="{18196023-38AC-4456-833F-2E8028C21DDC}" type="datetimeFigureOut">
               <a:rPr lang="en-GB" smtClean="0"/>
-              <a:t>30/05/2024</a:t>
+              <a:t>03/06/2024</a:t>
             </a:fld>
             <a:endParaRPr lang="en-GB"/>
           </a:p>
@@ -2251,7 +2251,7 @@
           <a:p>
             <a:fld id="{18196023-38AC-4456-833F-2E8028C21DDC}" type="datetimeFigureOut">
               <a:rPr lang="en-GB" smtClean="0"/>
-              <a:t>30/05/2024</a:t>
+              <a:t>03/06/2024</a:t>
             </a:fld>
             <a:endParaRPr lang="en-GB"/>
           </a:p>
@@ -2393,7 +2393,7 @@
           <a:p>
             <a:fld id="{18196023-38AC-4456-833F-2E8028C21DDC}" type="datetimeFigureOut">
               <a:rPr lang="en-GB" smtClean="0"/>
-              <a:t>30/05/2024</a:t>
+              <a:t>03/06/2024</a:t>
             </a:fld>
             <a:endParaRPr lang="en-GB"/>
           </a:p>
@@ -2506,7 +2506,7 @@
           <a:p>
             <a:fld id="{18196023-38AC-4456-833F-2E8028C21DDC}" type="datetimeFigureOut">
               <a:rPr lang="en-GB" smtClean="0"/>
-              <a:t>30/05/2024</a:t>
+              <a:t>03/06/2024</a:t>
             </a:fld>
             <a:endParaRPr lang="en-GB"/>
           </a:p>
@@ -2819,7 +2819,7 @@
           <a:p>
             <a:fld id="{18196023-38AC-4456-833F-2E8028C21DDC}" type="datetimeFigureOut">
               <a:rPr lang="en-GB" smtClean="0"/>
-              <a:t>30/05/2024</a:t>
+              <a:t>03/06/2024</a:t>
             </a:fld>
             <a:endParaRPr lang="en-GB"/>
           </a:p>
@@ -3108,7 +3108,7 @@
           <a:p>
             <a:fld id="{18196023-38AC-4456-833F-2E8028C21DDC}" type="datetimeFigureOut">
               <a:rPr lang="en-GB" smtClean="0"/>
-              <a:t>30/05/2024</a:t>
+              <a:t>03/06/2024</a:t>
             </a:fld>
             <a:endParaRPr lang="en-GB"/>
           </a:p>
@@ -3351,7 +3351,7 @@
           <a:p>
             <a:fld id="{18196023-38AC-4456-833F-2E8028C21DDC}" type="datetimeFigureOut">
               <a:rPr lang="en-GB" smtClean="0"/>
-              <a:t>30/05/2024</a:t>
+              <a:t>03/06/2024</a:t>
             </a:fld>
             <a:endParaRPr lang="en-GB"/>
           </a:p>
@@ -4327,7 +4327,7 @@
             <a:pPr algn="ctr"/>
             <a:r>
               <a:rPr lang="en-GB" sz="1300" dirty="0"/>
-              <a:t>Lower economic importance of  ‘dirty’ manufacturing</a:t>
+              <a:t>Lower economic importance of  ‘dirty’ industry</a:t>
             </a:r>
           </a:p>
         </p:txBody>
